--- a/The Effects of Redlining Presentation.pptx
+++ b/The Effects of Redlining Presentation.pptx
@@ -11329,36 +11329,6 @@
           </a:p>
         </p:txBody>
       </p:sp>
-      <p:pic>
-        <p:nvPicPr>
-          <p:cNvPr id="3" name="Picture 2">
-            <a:extLst>
-              <a:ext uri="{FF2B5EF4-FFF2-40B4-BE49-F238E27FC236}">
-                <a16:creationId xmlns:a16="http://schemas.microsoft.com/office/drawing/2014/main" id="{94F669AF-2904-1448-99A8-898ED3E6F995}"/>
-              </a:ext>
-            </a:extLst>
-          </p:cNvPr>
-          <p:cNvPicPr>
-            <a:picLocks noChangeAspect="1"/>
-          </p:cNvPicPr>
-          <p:nvPr/>
-        </p:nvPicPr>
-        <p:blipFill>
-          <a:blip r:embed="rId3"/>
-          <a:stretch>
-            <a:fillRect/>
-          </a:stretch>
-        </p:blipFill>
-        <p:spPr>
-          <a:xfrm>
-            <a:off x="1232542" y="2148487"/>
-            <a:ext cx="6164852" cy="2258137"/>
-          </a:xfrm>
-          <a:prstGeom prst="rect">
-            <a:avLst/>
-          </a:prstGeom>
-        </p:spPr>
-      </p:pic>
       <p:grpSp>
         <p:nvGrpSpPr>
           <p:cNvPr id="19" name="Group 18">
@@ -11446,7 +11416,7 @@
                     <a:solidFill>
                       <a:schemeClr val="bg1"/>
                     </a:solidFill>
-                    <a:hlinkClick r:id="rId4" action="ppaction://hlinksldjump">
+                    <a:hlinkClick r:id="rId3" action="ppaction://hlinksldjump">
                       <a:extLst>
                         <a:ext uri="{A12FA001-AC4F-418D-AE19-62706E023703}">
                           <ahyp:hlinkClr xmlns:ahyp="http://schemas.microsoft.com/office/drawing/2018/hyperlinkcolor" val="tx"/>
@@ -11511,7 +11481,7 @@
                     <a:solidFill>
                       <a:schemeClr val="bg1"/>
                     </a:solidFill>
-                    <a:hlinkClick r:id="rId5" action="ppaction://hlinksldjump">
+                    <a:hlinkClick r:id="rId4" action="ppaction://hlinksldjump">
                       <a:extLst>
                         <a:ext uri="{A12FA001-AC4F-418D-AE19-62706E023703}">
                           <ahyp:hlinkClr xmlns:ahyp="http://schemas.microsoft.com/office/drawing/2018/hyperlinkcolor" val="tx"/>
@@ -11576,7 +11546,7 @@
                     <a:solidFill>
                       <a:srgbClr val="FF0000"/>
                     </a:solidFill>
-                    <a:hlinkClick r:id="rId6" action="ppaction://hlinksldjump">
+                    <a:hlinkClick r:id="rId5" action="ppaction://hlinksldjump">
                       <a:extLst>
                         <a:ext uri="{A12FA001-AC4F-418D-AE19-62706E023703}">
                           <ahyp:hlinkClr xmlns:ahyp="http://schemas.microsoft.com/office/drawing/2018/hyperlinkcolor" val="tx"/>
@@ -11641,7 +11611,7 @@
                     <a:solidFill>
                       <a:schemeClr val="bg1"/>
                     </a:solidFill>
-                    <a:hlinkClick r:id="rId7" action="ppaction://hlinksldjump">
+                    <a:hlinkClick r:id="rId6" action="ppaction://hlinksldjump">
                       <a:extLst>
                         <a:ext uri="{A12FA001-AC4F-418D-AE19-62706E023703}">
                           <ahyp:hlinkClr xmlns:ahyp="http://schemas.microsoft.com/office/drawing/2018/hyperlinkcolor" val="tx"/>
@@ -11707,7 +11677,7 @@
                   <a:solidFill>
                     <a:schemeClr val="bg1"/>
                   </a:solidFill>
-                  <a:hlinkClick r:id="rId8" action="ppaction://hlinksldjump">
+                  <a:hlinkClick r:id="rId7" action="ppaction://hlinksldjump">
                     <a:extLst>
                       <a:ext uri="{A12FA001-AC4F-418D-AE19-62706E023703}">
                         <ahyp:hlinkClr xmlns:ahyp="http://schemas.microsoft.com/office/drawing/2018/hyperlinkcolor" val="tx"/>
@@ -11726,6 +11696,36 @@
           </p:txBody>
         </p:sp>
       </p:grpSp>
+      <p:pic>
+        <p:nvPicPr>
+          <p:cNvPr id="10" name="Picture 9">
+            <a:extLst>
+              <a:ext uri="{FF2B5EF4-FFF2-40B4-BE49-F238E27FC236}">
+                <a16:creationId xmlns:a16="http://schemas.microsoft.com/office/drawing/2014/main" id="{279AB19B-A001-4740-BB3A-F063AC6A5D69}"/>
+              </a:ext>
+            </a:extLst>
+          </p:cNvPr>
+          <p:cNvPicPr>
+            <a:picLocks noChangeAspect="1"/>
+          </p:cNvPicPr>
+          <p:nvPr/>
+        </p:nvPicPr>
+        <p:blipFill>
+          <a:blip r:embed="rId8"/>
+          <a:stretch>
+            <a:fillRect/>
+          </a:stretch>
+        </p:blipFill>
+        <p:spPr>
+          <a:xfrm>
+            <a:off x="2003818" y="1998438"/>
+            <a:ext cx="4838768" cy="2739367"/>
+          </a:xfrm>
+          <a:prstGeom prst="rect">
+            <a:avLst/>
+          </a:prstGeom>
+        </p:spPr>
+      </p:pic>
     </p:spTree>
   </p:cSld>
   <p:clrMapOvr>
@@ -13526,36 +13526,6 @@
           </a:p>
         </p:txBody>
       </p:sp>
-      <p:pic>
-        <p:nvPicPr>
-          <p:cNvPr id="15" name="Picture 14">
-            <a:extLst>
-              <a:ext uri="{FF2B5EF4-FFF2-40B4-BE49-F238E27FC236}">
-                <a16:creationId xmlns:a16="http://schemas.microsoft.com/office/drawing/2014/main" id="{1F50A90D-767D-A94A-B303-91F5C40E73E7}"/>
-              </a:ext>
-            </a:extLst>
-          </p:cNvPr>
-          <p:cNvPicPr>
-            <a:picLocks noChangeAspect="1"/>
-          </p:cNvPicPr>
-          <p:nvPr/>
-        </p:nvPicPr>
-        <p:blipFill>
-          <a:blip r:embed="rId3"/>
-          <a:stretch>
-            <a:fillRect/>
-          </a:stretch>
-        </p:blipFill>
-        <p:spPr>
-          <a:xfrm>
-            <a:off x="1191014" y="2212157"/>
-            <a:ext cx="6638683" cy="1894761"/>
-          </a:xfrm>
-          <a:prstGeom prst="rect">
-            <a:avLst/>
-          </a:prstGeom>
-        </p:spPr>
-      </p:pic>
       <p:sp>
         <p:nvSpPr>
           <p:cNvPr id="12" name="TextBox 11">
@@ -13697,7 +13667,7 @@
                     <a:solidFill>
                       <a:schemeClr val="bg1"/>
                     </a:solidFill>
-                    <a:hlinkClick r:id="rId4" action="ppaction://hlinksldjump">
+                    <a:hlinkClick r:id="rId3" action="ppaction://hlinksldjump">
                       <a:extLst>
                         <a:ext uri="{A12FA001-AC4F-418D-AE19-62706E023703}">
                           <ahyp:hlinkClr xmlns:ahyp="http://schemas.microsoft.com/office/drawing/2018/hyperlinkcolor" val="tx"/>
@@ -13762,7 +13732,7 @@
                     <a:solidFill>
                       <a:schemeClr val="bg1"/>
                     </a:solidFill>
-                    <a:hlinkClick r:id="rId5" action="ppaction://hlinksldjump">
+                    <a:hlinkClick r:id="rId4" action="ppaction://hlinksldjump">
                       <a:extLst>
                         <a:ext uri="{A12FA001-AC4F-418D-AE19-62706E023703}">
                           <ahyp:hlinkClr xmlns:ahyp="http://schemas.microsoft.com/office/drawing/2018/hyperlinkcolor" val="tx"/>
@@ -13827,7 +13797,7 @@
                     <a:solidFill>
                       <a:schemeClr val="bg1"/>
                     </a:solidFill>
-                    <a:hlinkClick r:id="rId6" action="ppaction://hlinksldjump">
+                    <a:hlinkClick r:id="rId5" action="ppaction://hlinksldjump">
                       <a:extLst>
                         <a:ext uri="{A12FA001-AC4F-418D-AE19-62706E023703}">
                           <ahyp:hlinkClr xmlns:ahyp="http://schemas.microsoft.com/office/drawing/2018/hyperlinkcolor" val="tx"/>
@@ -13892,7 +13862,7 @@
                     <a:solidFill>
                       <a:schemeClr val="bg1"/>
                     </a:solidFill>
-                    <a:hlinkClick r:id="rId7" action="ppaction://hlinksldjump">
+                    <a:hlinkClick r:id="rId6" action="ppaction://hlinksldjump">
                       <a:extLst>
                         <a:ext uri="{A12FA001-AC4F-418D-AE19-62706E023703}">
                           <ahyp:hlinkClr xmlns:ahyp="http://schemas.microsoft.com/office/drawing/2018/hyperlinkcolor" val="tx"/>
@@ -13958,7 +13928,7 @@
                   <a:solidFill>
                     <a:srgbClr val="FF0000"/>
                   </a:solidFill>
-                  <a:hlinkClick r:id="rId8" action="ppaction://hlinksldjump">
+                  <a:hlinkClick r:id="rId7" action="ppaction://hlinksldjump">
                     <a:extLst>
                       <a:ext uri="{A12FA001-AC4F-418D-AE19-62706E023703}">
                         <ahyp:hlinkClr xmlns:ahyp="http://schemas.microsoft.com/office/drawing/2018/hyperlinkcolor" val="tx"/>
@@ -13977,6 +13947,36 @@
           </p:txBody>
         </p:sp>
       </p:grpSp>
+      <p:pic>
+        <p:nvPicPr>
+          <p:cNvPr id="14" name="Picture 13">
+            <a:extLst>
+              <a:ext uri="{FF2B5EF4-FFF2-40B4-BE49-F238E27FC236}">
+                <a16:creationId xmlns:a16="http://schemas.microsoft.com/office/drawing/2014/main" id="{1FF29D5F-919D-D54B-AC73-6DB3BE7FB787}"/>
+              </a:ext>
+            </a:extLst>
+          </p:cNvPr>
+          <p:cNvPicPr>
+            <a:picLocks noChangeAspect="1"/>
+          </p:cNvPicPr>
+          <p:nvPr/>
+        </p:nvPicPr>
+        <p:blipFill>
+          <a:blip r:embed="rId8"/>
+          <a:stretch>
+            <a:fillRect/>
+          </a:stretch>
+        </p:blipFill>
+        <p:spPr>
+          <a:xfrm>
+            <a:off x="1733148" y="2063128"/>
+            <a:ext cx="5677705" cy="2683174"/>
+          </a:xfrm>
+          <a:prstGeom prst="rect">
+            <a:avLst/>
+          </a:prstGeom>
+        </p:spPr>
+      </p:pic>
     </p:spTree>
   </p:cSld>
   <p:clrMapOvr>
@@ -19483,36 +19483,6 @@
           </a:p>
         </p:txBody>
       </p:sp>
-      <p:pic>
-        <p:nvPicPr>
-          <p:cNvPr id="12" name="Picture 11">
-            <a:extLst>
-              <a:ext uri="{FF2B5EF4-FFF2-40B4-BE49-F238E27FC236}">
-                <a16:creationId xmlns:a16="http://schemas.microsoft.com/office/drawing/2014/main" id="{94A5877C-B636-0441-9E45-B447F40A6765}"/>
-              </a:ext>
-            </a:extLst>
-          </p:cNvPr>
-          <p:cNvPicPr>
-            <a:picLocks noChangeAspect="1"/>
-          </p:cNvPicPr>
-          <p:nvPr/>
-        </p:nvPicPr>
-        <p:blipFill>
-          <a:blip r:embed="rId3"/>
-          <a:stretch>
-            <a:fillRect/>
-          </a:stretch>
-        </p:blipFill>
-        <p:spPr>
-          <a:xfrm>
-            <a:off x="424900" y="1510687"/>
-            <a:ext cx="8407400" cy="1816100"/>
-          </a:xfrm>
-          <a:prstGeom prst="rect">
-            <a:avLst/>
-          </a:prstGeom>
-        </p:spPr>
-      </p:pic>
       <p:grpSp>
         <p:nvGrpSpPr>
           <p:cNvPr id="19" name="Group 18">
@@ -19600,7 +19570,7 @@
                     <a:solidFill>
                       <a:schemeClr val="bg1"/>
                     </a:solidFill>
-                    <a:hlinkClick r:id="rId4" action="ppaction://hlinksldjump">
+                    <a:hlinkClick r:id="rId3" action="ppaction://hlinksldjump">
                       <a:extLst>
                         <a:ext uri="{A12FA001-AC4F-418D-AE19-62706E023703}">
                           <ahyp:hlinkClr xmlns:ahyp="http://schemas.microsoft.com/office/drawing/2018/hyperlinkcolor" val="tx"/>
@@ -19665,7 +19635,7 @@
                     <a:solidFill>
                       <a:schemeClr val="bg1"/>
                     </a:solidFill>
-                    <a:hlinkClick r:id="rId5" action="ppaction://hlinksldjump">
+                    <a:hlinkClick r:id="rId4" action="ppaction://hlinksldjump">
                       <a:extLst>
                         <a:ext uri="{A12FA001-AC4F-418D-AE19-62706E023703}">
                           <ahyp:hlinkClr xmlns:ahyp="http://schemas.microsoft.com/office/drawing/2018/hyperlinkcolor" val="tx"/>
@@ -19730,7 +19700,7 @@
                     <a:solidFill>
                       <a:schemeClr val="bg1"/>
                     </a:solidFill>
-                    <a:hlinkClick r:id="rId6" action="ppaction://hlinksldjump">
+                    <a:hlinkClick r:id="rId5" action="ppaction://hlinksldjump">
                       <a:extLst>
                         <a:ext uri="{A12FA001-AC4F-418D-AE19-62706E023703}">
                           <ahyp:hlinkClr xmlns:ahyp="http://schemas.microsoft.com/office/drawing/2018/hyperlinkcolor" val="tx"/>
@@ -19795,7 +19765,7 @@
                     <a:solidFill>
                       <a:srgbClr val="FF0000"/>
                     </a:solidFill>
-                    <a:hlinkClick r:id="rId7" action="ppaction://hlinksldjump">
+                    <a:hlinkClick r:id="rId6" action="ppaction://hlinksldjump">
                       <a:extLst>
                         <a:ext uri="{A12FA001-AC4F-418D-AE19-62706E023703}">
                           <ahyp:hlinkClr xmlns:ahyp="http://schemas.microsoft.com/office/drawing/2018/hyperlinkcolor" val="tx"/>
@@ -19861,7 +19831,7 @@
                   <a:solidFill>
                     <a:schemeClr val="bg1"/>
                   </a:solidFill>
-                  <a:hlinkClick r:id="rId8" action="ppaction://hlinksldjump">
+                  <a:hlinkClick r:id="rId7" action="ppaction://hlinksldjump">
                     <a:extLst>
                       <a:ext uri="{A12FA001-AC4F-418D-AE19-62706E023703}">
                         <ahyp:hlinkClr xmlns:ahyp="http://schemas.microsoft.com/office/drawing/2018/hyperlinkcolor" val="tx"/>
@@ -19880,6 +19850,36 @@
           </p:txBody>
         </p:sp>
       </p:grpSp>
+      <p:pic>
+        <p:nvPicPr>
+          <p:cNvPr id="18" name="Picture 17">
+            <a:extLst>
+              <a:ext uri="{FF2B5EF4-FFF2-40B4-BE49-F238E27FC236}">
+                <a16:creationId xmlns:a16="http://schemas.microsoft.com/office/drawing/2014/main" id="{392C69B1-0176-8F42-8F16-0A3401AA2A50}"/>
+              </a:ext>
+            </a:extLst>
+          </p:cNvPr>
+          <p:cNvPicPr>
+            <a:picLocks noChangeAspect="1"/>
+          </p:cNvPicPr>
+          <p:nvPr/>
+        </p:nvPicPr>
+        <p:blipFill>
+          <a:blip r:embed="rId8"/>
+          <a:stretch>
+            <a:fillRect/>
+          </a:stretch>
+        </p:blipFill>
+        <p:spPr>
+          <a:xfrm>
+            <a:off x="1972824" y="1277546"/>
+            <a:ext cx="5198351" cy="3513079"/>
+          </a:xfrm>
+          <a:prstGeom prst="rect">
+            <a:avLst/>
+          </a:prstGeom>
+        </p:spPr>
+      </p:pic>
     </p:spTree>
   </p:cSld>
   <p:clrMapOvr>

--- a/The Effects of Redlining Presentation.pptx
+++ b/The Effects of Redlining Presentation.pptx
@@ -9260,7 +9260,7 @@
         <p14:gallery dir="l"/>
       </p:transition>
     </mc:Choice>
-    <mc:Fallback xmlns:ahyp="http://schemas.microsoft.com/office/drawing/2018/hyperlinkcolor" xmlns:p15="http://schemas.microsoft.com/office/powerpoint/2012/main" xmlns:com="http://schemas.openxmlformats.org/drawingml/2006/compatibility" xmlns:pvml="urn:schemas-microsoft-com:office:powerpoint" xmlns:v="urn:schemas-microsoft-com:vml" xmlns:o="urn:schemas-microsoft-com:office:office" xmlns:dgm="http://schemas.openxmlformats.org/drawingml/2006/diagram" xmlns:c="http://schemas.openxmlformats.org/drawingml/2006/chart" xmlns:mv="urn:schemas-microsoft-com:mac:vml" xmlns="">
+    <mc:Fallback xmlns="" xmlns:mv="urn:schemas-microsoft-com:mac:vml" xmlns:c="http://schemas.openxmlformats.org/drawingml/2006/chart" xmlns:dgm="http://schemas.openxmlformats.org/drawingml/2006/diagram" xmlns:o="urn:schemas-microsoft-com:office:office" xmlns:v="urn:schemas-microsoft-com:vml" xmlns:pvml="urn:schemas-microsoft-com:office:powerpoint" xmlns:com="http://schemas.openxmlformats.org/drawingml/2006/compatibility" xmlns:p15="http://schemas.microsoft.com/office/powerpoint/2012/main" xmlns:ahyp="http://schemas.microsoft.com/office/drawing/2018/hyperlinkcolor">
       <p:transition spd="slow">
         <p:fade/>
       </p:transition>
@@ -9274,20 +9274,9 @@
   <p:cSld>
     <p:bg>
       <p:bgPr>
-        <a:gradFill>
-          <a:gsLst>
-            <a:gs pos="0">
-              <a:srgbClr val="FFF6DB"/>
-            </a:gs>
-            <a:gs pos="100000">
-              <a:srgbClr val="FAD25C"/>
-            </a:gs>
-          </a:gsLst>
-          <a:path path="circle">
-            <a:fillToRect l="50000" t="50000" r="50000" b="50000"/>
-          </a:path>
-          <a:tileRect/>
-        </a:gradFill>
+        <a:solidFill>
+          <a:schemeClr val="lt1"/>
+        </a:solidFill>
         <a:effectLst/>
       </p:bgPr>
     </p:bg>
@@ -9801,20 +9790,9 @@
   <p:cSld>
     <p:bg>
       <p:bgPr>
-        <a:gradFill>
-          <a:gsLst>
-            <a:gs pos="0">
-              <a:srgbClr val="FFF6DB"/>
-            </a:gs>
-            <a:gs pos="100000">
-              <a:srgbClr val="FAD25C"/>
-            </a:gs>
-          </a:gsLst>
-          <a:path path="circle">
-            <a:fillToRect l="50000" t="50000" r="50000" b="50000"/>
-          </a:path>
-          <a:tileRect/>
-        </a:gradFill>
+        <a:solidFill>
+          <a:schemeClr val="lt1"/>
+        </a:solidFill>
         <a:effectLst/>
       </p:bgPr>
     </p:bg>
@@ -9990,8 +9968,8 @@
           </a:p>
         </p:txBody>
       </p:sp>
-      <mc:AlternateContent xmlns:mc="http://schemas.openxmlformats.org/markup-compatibility/2006">
-        <mc:Choice xmlns:a14="http://schemas.microsoft.com/office/drawing/2010/main" Requires="a14">
+      <mc:AlternateContent xmlns:mc="http://schemas.openxmlformats.org/markup-compatibility/2006" xmlns:a14="http://schemas.microsoft.com/office/drawing/2010/main">
+        <mc:Choice Requires="a14">
           <p:sp>
             <p:nvSpPr>
               <p:cNvPr id="11" name="Google Shape;125;p23">
@@ -10746,7 +10724,7 @@
             </p:txBody>
           </p:sp>
         </mc:Choice>
-        <mc:Fallback>
+        <mc:Fallback xmlns="">
           <p:sp>
             <p:nvSpPr>
               <p:cNvPr id="11" name="Google Shape;125;p23">
@@ -11174,20 +11152,9 @@
   <p:cSld>
     <p:bg>
       <p:bgPr>
-        <a:gradFill>
-          <a:gsLst>
-            <a:gs pos="0">
-              <a:srgbClr val="FFF6DB"/>
-            </a:gs>
-            <a:gs pos="100000">
-              <a:srgbClr val="FAD25C"/>
-            </a:gs>
-          </a:gsLst>
-          <a:path path="circle">
-            <a:fillToRect l="50000" t="50000" r="50000" b="50000"/>
-          </a:path>
-          <a:tileRect/>
-        </a:gradFill>
+        <a:solidFill>
+          <a:schemeClr val="lt1"/>
+        </a:solidFill>
         <a:effectLst/>
       </p:bgPr>
     </p:bg>
@@ -11739,20 +11706,9 @@
   <p:cSld>
     <p:bg>
       <p:bgPr>
-        <a:gradFill>
-          <a:gsLst>
-            <a:gs pos="0">
-              <a:srgbClr val="FFF6DB"/>
-            </a:gs>
-            <a:gs pos="100000">
-              <a:srgbClr val="FAD25C"/>
-            </a:gs>
-          </a:gsLst>
-          <a:path path="circle">
-            <a:fillToRect l="50000" t="50000" r="50000" b="50000"/>
-          </a:path>
-          <a:tileRect/>
-        </a:gradFill>
+        <a:solidFill>
+          <a:schemeClr val="lt1"/>
+        </a:solidFill>
         <a:effectLst/>
       </p:bgPr>
     </p:bg>
@@ -12313,20 +12269,9 @@
   <p:cSld>
     <p:bg>
       <p:bgPr>
-        <a:gradFill>
-          <a:gsLst>
-            <a:gs pos="0">
-              <a:srgbClr val="FFF6DB"/>
-            </a:gs>
-            <a:gs pos="100000">
-              <a:srgbClr val="FAD25C"/>
-            </a:gs>
-          </a:gsLst>
-          <a:path path="circle">
-            <a:fillToRect l="50000" t="50000" r="50000" b="50000"/>
-          </a:path>
-          <a:tileRect/>
-        </a:gradFill>
+        <a:solidFill>
+          <a:schemeClr val="lt1"/>
+        </a:solidFill>
         <a:effectLst/>
       </p:bgPr>
     </p:bg>
@@ -12430,8 +12375,8 @@
           </a:p>
         </p:txBody>
       </p:sp>
-      <mc:AlternateContent xmlns:mc="http://schemas.openxmlformats.org/markup-compatibility/2006">
-        <mc:Choice xmlns:a14="http://schemas.microsoft.com/office/drawing/2010/main" Requires="a14">
+      <mc:AlternateContent xmlns:mc="http://schemas.openxmlformats.org/markup-compatibility/2006" xmlns:a14="http://schemas.microsoft.com/office/drawing/2010/main">
+        <mc:Choice Requires="a14">
           <p:sp>
             <p:nvSpPr>
               <p:cNvPr id="139" name="Google Shape;139;p25"/>
@@ -12988,7 +12933,7 @@
             </p:txBody>
           </p:sp>
         </mc:Choice>
-        <mc:Fallback>
+        <mc:Fallback xmlns="">
           <p:sp>
             <p:nvSpPr>
               <p:cNvPr id="139" name="Google Shape;139;p25"/>
@@ -13409,20 +13354,9 @@
   <p:cSld>
     <p:bg>
       <p:bgPr>
-        <a:gradFill>
-          <a:gsLst>
-            <a:gs pos="0">
-              <a:srgbClr val="FFF6DB"/>
-            </a:gs>
-            <a:gs pos="100000">
-              <a:srgbClr val="FAD25C"/>
-            </a:gs>
-          </a:gsLst>
-          <a:path path="circle">
-            <a:fillToRect l="50000" t="50000" r="50000" b="50000"/>
-          </a:path>
-          <a:tileRect/>
-        </a:gradFill>
+        <a:solidFill>
+          <a:schemeClr val="lt1"/>
+        </a:solidFill>
         <a:effectLst/>
       </p:bgPr>
     </p:bg>
@@ -13990,20 +13924,9 @@
   <p:cSld>
     <p:bg>
       <p:bgPr>
-        <a:gradFill>
-          <a:gsLst>
-            <a:gs pos="0">
-              <a:srgbClr val="FFF6DB"/>
-            </a:gs>
-            <a:gs pos="100000">
-              <a:srgbClr val="FAD25C"/>
-            </a:gs>
-          </a:gsLst>
-          <a:path path="circle">
-            <a:fillToRect l="50000" t="50000" r="50000" b="50000"/>
-          </a:path>
-          <a:tileRect/>
-        </a:gradFill>
+        <a:solidFill>
+          <a:schemeClr val="lt1"/>
+        </a:solidFill>
         <a:effectLst/>
       </p:bgPr>
     </p:bg>
@@ -14594,20 +14517,9 @@
   <p:cSld>
     <p:bg>
       <p:bgPr>
-        <a:gradFill>
-          <a:gsLst>
-            <a:gs pos="0">
-              <a:srgbClr val="FFF6DB"/>
-            </a:gs>
-            <a:gs pos="100000">
-              <a:srgbClr val="FAD25C"/>
-            </a:gs>
-          </a:gsLst>
-          <a:path path="circle">
-            <a:fillToRect l="50000" t="50000" r="50000" b="50000"/>
-          </a:path>
-          <a:tileRect/>
-        </a:gradFill>
+        <a:solidFill>
+          <a:schemeClr val="lt1"/>
+        </a:solidFill>
         <a:effectLst/>
       </p:bgPr>
     </p:bg>
@@ -14828,15 +14740,7 @@
             </a:pPr>
             <a:r>
               <a:rPr lang="en-US" sz="2000" dirty="0"/>
-              <a:t>Those areas became more heavily minority over time, but the higher graded areas also became more minority, just more </a:t>
-            </a:r>
-            <a:r>
-              <a:rPr lang="en-US" sz="2000" dirty="0" err="1"/>
-              <a:t>slowely</a:t>
-            </a:r>
-            <a:r>
-              <a:rPr lang="en-US" sz="2000" dirty="0"/>
-              <a:t>.</a:t>
+              <a:t>Those areas became more heavily minority over time, but the higher graded areas also became more minority, just more slowly.</a:t>
             </a:r>
           </a:p>
           <a:p>
@@ -15272,20 +15176,9 @@
   <p:cSld>
     <p:bg>
       <p:bgPr>
-        <a:gradFill>
-          <a:gsLst>
-            <a:gs pos="0">
-              <a:srgbClr val="FFF6DB"/>
-            </a:gs>
-            <a:gs pos="100000">
-              <a:srgbClr val="FAD25C"/>
-            </a:gs>
-          </a:gsLst>
-          <a:path path="circle">
-            <a:fillToRect l="50000" t="50000" r="50000" b="50000"/>
-          </a:path>
-          <a:tileRect/>
-        </a:gradFill>
+        <a:solidFill>
+          <a:schemeClr val="lt1"/>
+        </a:solidFill>
         <a:effectLst/>
       </p:bgPr>
     </p:bg>
@@ -15528,20 +15421,9 @@
   <p:cSld>
     <p:bg>
       <p:bgPr>
-        <a:gradFill>
-          <a:gsLst>
-            <a:gs pos="0">
-              <a:srgbClr val="FFF6DB"/>
-            </a:gs>
-            <a:gs pos="100000">
-              <a:srgbClr val="FAD25C"/>
-            </a:gs>
-          </a:gsLst>
-          <a:path path="circle">
-            <a:fillToRect l="50000" t="50000" r="50000" b="50000"/>
-          </a:path>
-          <a:tileRect/>
-        </a:gradFill>
+        <a:solidFill>
+          <a:schemeClr val="lt1"/>
+        </a:solidFill>
         <a:effectLst/>
       </p:bgPr>
     </p:bg>
@@ -16163,20 +16045,9 @@
   <p:cSld>
     <p:bg>
       <p:bgPr>
-        <a:gradFill>
-          <a:gsLst>
-            <a:gs pos="0">
-              <a:srgbClr val="FFF6DB"/>
-            </a:gs>
-            <a:gs pos="100000">
-              <a:srgbClr val="FAD25C"/>
-            </a:gs>
-          </a:gsLst>
-          <a:path path="circle">
-            <a:fillToRect l="50000" t="50000" r="50000" b="50000"/>
-          </a:path>
-          <a:tileRect/>
-        </a:gradFill>
+        <a:solidFill>
+          <a:schemeClr val="lt1"/>
+        </a:solidFill>
         <a:effectLst/>
       </p:bgPr>
     </p:bg>
@@ -16348,7 +16219,7 @@
                   <a:srgbClr val="000000"/>
                 </a:solidFill>
               </a:rPr>
-              <a:t>Today, there is extreme inequality in the incomes of communities across LA with the fashion district zip code averaging just $12,000 per year while the Bel Air zip code averages over $185,000 (Census Bureau 2019).</a:t>
+              <a:t>Today, there is extreme inequality in homeownership across communities in LA with neighborhoods like Koreatown containing only 6% homeowners while in Bel Air over 82% of household own their home (Census Bureau 2019).</a:t>
             </a:r>
             <a:endParaRPr dirty="0">
               <a:solidFill>
@@ -16839,20 +16710,9 @@
   <p:cSld>
     <p:bg>
       <p:bgPr>
-        <a:gradFill>
-          <a:gsLst>
-            <a:gs pos="0">
-              <a:srgbClr val="FFF6DB"/>
-            </a:gs>
-            <a:gs pos="100000">
-              <a:srgbClr val="FAD25C"/>
-            </a:gs>
-          </a:gsLst>
-          <a:path path="circle">
-            <a:fillToRect l="50000" t="50000" r="50000" b="50000"/>
-          </a:path>
-          <a:tileRect/>
-        </a:gradFill>
+        <a:solidFill>
+          <a:schemeClr val="lt1"/>
+        </a:solidFill>
         <a:effectLst/>
       </p:bgPr>
     </p:bg>
@@ -17513,20 +17373,9 @@
   <p:cSld>
     <p:bg>
       <p:bgPr>
-        <a:gradFill>
-          <a:gsLst>
-            <a:gs pos="0">
-              <a:srgbClr val="FFF6DB"/>
-            </a:gs>
-            <a:gs pos="100000">
-              <a:srgbClr val="FAD25C"/>
-            </a:gs>
-          </a:gsLst>
-          <a:path path="circle">
-            <a:fillToRect l="50000" t="50000" r="50000" b="50000"/>
-          </a:path>
-          <a:tileRect/>
-        </a:gradFill>
+        <a:solidFill>
+          <a:schemeClr val="lt1"/>
+        </a:solidFill>
         <a:effectLst/>
       </p:bgPr>
     </p:bg>
@@ -17729,6 +17578,11 @@
               <a:rPr lang="en-US" sz="1800" u="sng" dirty="0"/>
               <a:t>Digitized Redlined Areas</a:t>
             </a:r>
+            <a:r>
+              <a:rPr lang="en-US" sz="1800" u="sng" baseline="30000" dirty="0"/>
+              <a:t>*</a:t>
+            </a:r>
+            <a:endParaRPr lang="en-US" sz="1800" u="sng" dirty="0"/>
           </a:p>
         </p:txBody>
       </p:sp>
@@ -18129,6 +17983,41 @@
           </p:txBody>
         </p:sp>
       </p:grpSp>
+      <p:sp>
+        <p:nvSpPr>
+          <p:cNvPr id="3" name="TextBox 2">
+            <a:extLst>
+              <a:ext uri="{FF2B5EF4-FFF2-40B4-BE49-F238E27FC236}">
+                <a16:creationId xmlns:a16="http://schemas.microsoft.com/office/drawing/2014/main" id="{DE18DC0F-FA74-294A-BB8C-CCCC9224336B}"/>
+              </a:ext>
+            </a:extLst>
+          </p:cNvPr>
+          <p:cNvSpPr txBox="1"/>
+          <p:nvPr/>
+        </p:nvSpPr>
+        <p:spPr>
+          <a:xfrm>
+            <a:off x="5866544" y="4561726"/>
+            <a:ext cx="2679548" cy="215444"/>
+          </a:xfrm>
+          <a:prstGeom prst="rect">
+            <a:avLst/>
+          </a:prstGeom>
+          <a:noFill/>
+        </p:spPr>
+        <p:txBody>
+          <a:bodyPr wrap="square" rtlCol="0">
+            <a:spAutoFit/>
+          </a:bodyPr>
+          <a:lstStyle/>
+          <a:p>
+            <a:r>
+              <a:rPr lang="en-US" sz="800" dirty="0"/>
+              <a:t>*C and D graded areas are defined as “redlined”</a:t>
+            </a:r>
+          </a:p>
+        </p:txBody>
+      </p:sp>
     </p:spTree>
   </p:cSld>
   <p:clrMapOvr>
@@ -18142,20 +18031,9 @@
   <p:cSld>
     <p:bg>
       <p:bgPr>
-        <a:gradFill>
-          <a:gsLst>
-            <a:gs pos="0">
-              <a:srgbClr val="FFF6DB"/>
-            </a:gs>
-            <a:gs pos="100000">
-              <a:srgbClr val="FAD25C"/>
-            </a:gs>
-          </a:gsLst>
-          <a:path path="circle">
-            <a:fillToRect l="50000" t="50000" r="50000" b="50000"/>
-          </a:path>
-          <a:tileRect/>
-        </a:gradFill>
+        <a:solidFill>
+          <a:schemeClr val="lt1"/>
+        </a:solidFill>
         <a:effectLst/>
       </p:bgPr>
     </p:bg>
@@ -18259,36 +18137,6 @@
           </a:p>
         </p:txBody>
       </p:sp>
-      <p:pic>
-        <p:nvPicPr>
-          <p:cNvPr id="9" name="Picture 8">
-            <a:extLst>
-              <a:ext uri="{FF2B5EF4-FFF2-40B4-BE49-F238E27FC236}">
-                <a16:creationId xmlns:a16="http://schemas.microsoft.com/office/drawing/2014/main" id="{1FAE5B3C-A32B-1C4B-8EE1-EA9B7C07AB3F}"/>
-              </a:ext>
-            </a:extLst>
-          </p:cNvPr>
-          <p:cNvPicPr>
-            <a:picLocks noChangeAspect="1"/>
-          </p:cNvPicPr>
-          <p:nvPr/>
-        </p:nvPicPr>
-        <p:blipFill>
-          <a:blip r:embed="rId3"/>
-          <a:stretch>
-            <a:fillRect/>
-          </a:stretch>
-        </p:blipFill>
-        <p:spPr>
-          <a:xfrm>
-            <a:off x="1558215" y="1451426"/>
-            <a:ext cx="5798081" cy="3420240"/>
-          </a:xfrm>
-          <a:prstGeom prst="rect">
-            <a:avLst/>
-          </a:prstGeom>
-        </p:spPr>
-      </p:pic>
       <p:sp>
         <p:nvSpPr>
           <p:cNvPr id="24" name="TextBox 23">
@@ -18412,7 +18260,7 @@
                     <a:solidFill>
                       <a:schemeClr val="bg1"/>
                     </a:solidFill>
-                    <a:hlinkClick r:id="rId4" action="ppaction://hlinksldjump">
+                    <a:hlinkClick r:id="rId3" action="ppaction://hlinksldjump">
                       <a:extLst>
                         <a:ext uri="{A12FA001-AC4F-418D-AE19-62706E023703}">
                           <ahyp:hlinkClr xmlns:ahyp="http://schemas.microsoft.com/office/drawing/2018/hyperlinkcolor" val="tx"/>
@@ -18477,7 +18325,7 @@
                     <a:solidFill>
                       <a:srgbClr val="FF0000"/>
                     </a:solidFill>
-                    <a:hlinkClick r:id="rId5" action="ppaction://hlinksldjump">
+                    <a:hlinkClick r:id="rId4" action="ppaction://hlinksldjump">
                       <a:extLst>
                         <a:ext uri="{A12FA001-AC4F-418D-AE19-62706E023703}">
                           <ahyp:hlinkClr xmlns:ahyp="http://schemas.microsoft.com/office/drawing/2018/hyperlinkcolor" val="tx"/>
@@ -18542,7 +18390,7 @@
                     <a:solidFill>
                       <a:schemeClr val="bg1"/>
                     </a:solidFill>
-                    <a:hlinkClick r:id="rId6" action="ppaction://hlinksldjump">
+                    <a:hlinkClick r:id="rId5" action="ppaction://hlinksldjump">
                       <a:extLst>
                         <a:ext uri="{A12FA001-AC4F-418D-AE19-62706E023703}">
                           <ahyp:hlinkClr xmlns:ahyp="http://schemas.microsoft.com/office/drawing/2018/hyperlinkcolor" val="tx"/>
@@ -18607,7 +18455,7 @@
                     <a:solidFill>
                       <a:schemeClr val="bg1"/>
                     </a:solidFill>
-                    <a:hlinkClick r:id="rId7" action="ppaction://hlinksldjump">
+                    <a:hlinkClick r:id="rId6" action="ppaction://hlinksldjump">
                       <a:extLst>
                         <a:ext uri="{A12FA001-AC4F-418D-AE19-62706E023703}">
                           <ahyp:hlinkClr xmlns:ahyp="http://schemas.microsoft.com/office/drawing/2018/hyperlinkcolor" val="tx"/>
@@ -18673,7 +18521,7 @@
                   <a:solidFill>
                     <a:schemeClr val="bg1"/>
                   </a:solidFill>
-                  <a:hlinkClick r:id="rId8" action="ppaction://hlinksldjump">
+                  <a:hlinkClick r:id="rId7" action="ppaction://hlinksldjump">
                     <a:extLst>
                       <a:ext uri="{A12FA001-AC4F-418D-AE19-62706E023703}">
                         <ahyp:hlinkClr xmlns:ahyp="http://schemas.microsoft.com/office/drawing/2018/hyperlinkcolor" val="tx"/>
@@ -18692,6 +18540,36 @@
           </p:txBody>
         </p:sp>
       </p:grpSp>
+      <p:pic>
+        <p:nvPicPr>
+          <p:cNvPr id="5" name="Picture 4">
+            <a:extLst>
+              <a:ext uri="{FF2B5EF4-FFF2-40B4-BE49-F238E27FC236}">
+                <a16:creationId xmlns:a16="http://schemas.microsoft.com/office/drawing/2014/main" id="{C29D5E4E-72F2-2845-9894-552175BB64CB}"/>
+              </a:ext>
+            </a:extLst>
+          </p:cNvPr>
+          <p:cNvPicPr>
+            <a:picLocks noChangeAspect="1"/>
+          </p:cNvPicPr>
+          <p:nvPr/>
+        </p:nvPicPr>
+        <p:blipFill>
+          <a:blip r:embed="rId8"/>
+          <a:stretch>
+            <a:fillRect/>
+          </a:stretch>
+        </p:blipFill>
+        <p:spPr>
+          <a:xfrm>
+            <a:off x="1469204" y="1470333"/>
+            <a:ext cx="5746648" cy="3422208"/>
+          </a:xfrm>
+          <a:prstGeom prst="rect">
+            <a:avLst/>
+          </a:prstGeom>
+        </p:spPr>
+      </p:pic>
     </p:spTree>
   </p:cSld>
   <p:clrMapOvr>
@@ -18705,20 +18583,9 @@
   <p:cSld>
     <p:bg>
       <p:bgPr>
-        <a:gradFill>
-          <a:gsLst>
-            <a:gs pos="0">
-              <a:srgbClr val="FFF6DB"/>
-            </a:gs>
-            <a:gs pos="100000">
-              <a:srgbClr val="FAD25C"/>
-            </a:gs>
-          </a:gsLst>
-          <a:path path="circle">
-            <a:fillToRect l="50000" t="50000" r="50000" b="50000"/>
-          </a:path>
-          <a:tileRect/>
-        </a:gradFill>
+        <a:solidFill>
+          <a:schemeClr val="lt1"/>
+        </a:solidFill>
         <a:effectLst/>
       </p:bgPr>
     </p:bg>
@@ -19366,20 +19233,9 @@
   <p:cSld>
     <p:bg>
       <p:bgPr>
-        <a:gradFill>
-          <a:gsLst>
-            <a:gs pos="0">
-              <a:srgbClr val="FFF6DB"/>
-            </a:gs>
-            <a:gs pos="100000">
-              <a:srgbClr val="FAD25C"/>
-            </a:gs>
-          </a:gsLst>
-          <a:path path="circle">
-            <a:fillToRect l="50000" t="50000" r="50000" b="50000"/>
-          </a:path>
-          <a:tileRect/>
-        </a:gradFill>
+        <a:solidFill>
+          <a:schemeClr val="lt1"/>
+        </a:solidFill>
         <a:effectLst/>
       </p:bgPr>
     </p:bg>
